--- a/Caleb Hägg - VVs offert.pptx
+++ b/Caleb Hägg - VVs offert.pptx
@@ -1920,7 +1920,7 @@
   <p:cSld>
     <p:spTree>
       <p:nvGrpSpPr>
-        <p:cNvPr id="251" name="Shape 251"/>
+        <p:cNvPr id="252" name="Shape 252"/>
         <p:cNvGrpSpPr/>
         <p:nvPr/>
       </p:nvGrpSpPr>
@@ -1934,7 +1934,7 @@
       </p:grpSpPr>
       <p:sp>
         <p:nvSpPr>
-          <p:cNvPr id="252" name="Google Shape;252;g552ef4c9c0_0_0:notes"/>
+          <p:cNvPr id="253" name="Google Shape;253;g552ef4c9c0_0_0:notes"/>
           <p:cNvSpPr/>
           <p:nvPr>
             <p:ph idx="2" type="sldImg"/>
@@ -1969,7 +1969,7 @@
       </p:sp>
       <p:sp>
         <p:nvSpPr>
-          <p:cNvPr id="253" name="Google Shape;253;g552ef4c9c0_0_0:notes"/>
+          <p:cNvPr id="254" name="Google Shape;254;g552ef4c9c0_0_0:notes"/>
           <p:cNvSpPr txBox="1"/>
           <p:nvPr>
             <p:ph idx="1" type="body"/>
@@ -2019,7 +2019,7 @@
   <p:cSld>
     <p:spTree>
       <p:nvGrpSpPr>
-        <p:cNvPr id="258" name="Shape 258"/>
+        <p:cNvPr id="259" name="Shape 259"/>
         <p:cNvGrpSpPr/>
         <p:nvPr/>
       </p:nvGrpSpPr>
@@ -2033,7 +2033,7 @@
       </p:grpSpPr>
       <p:sp>
         <p:nvSpPr>
-          <p:cNvPr id="259" name="Google Shape;259;g5440ffa6e6_0_65:notes"/>
+          <p:cNvPr id="260" name="Google Shape;260;g5440ffa6e6_0_65:notes"/>
           <p:cNvSpPr/>
           <p:nvPr>
             <p:ph idx="2" type="sldImg"/>
@@ -2068,7 +2068,7 @@
       </p:sp>
       <p:sp>
         <p:nvSpPr>
-          <p:cNvPr id="260" name="Google Shape;260;g5440ffa6e6_0_65:notes"/>
+          <p:cNvPr id="261" name="Google Shape;261;g5440ffa6e6_0_65:notes"/>
           <p:cNvSpPr txBox="1"/>
           <p:nvPr>
             <p:ph idx="1" type="body"/>
@@ -2118,7 +2118,7 @@
   <p:cSld>
     <p:spTree>
       <p:nvGrpSpPr>
-        <p:cNvPr id="264" name="Shape 264"/>
+        <p:cNvPr id="265" name="Shape 265"/>
         <p:cNvGrpSpPr/>
         <p:nvPr/>
       </p:nvGrpSpPr>
@@ -2132,7 +2132,7 @@
       </p:grpSpPr>
       <p:sp>
         <p:nvSpPr>
-          <p:cNvPr id="265" name="Google Shape;265;g5440ffa6e6_0_70:notes"/>
+          <p:cNvPr id="266" name="Google Shape;266;g5440ffa6e6_0_70:notes"/>
           <p:cNvSpPr/>
           <p:nvPr>
             <p:ph idx="2" type="sldImg"/>
@@ -2167,7 +2167,7 @@
       </p:sp>
       <p:sp>
         <p:nvSpPr>
-          <p:cNvPr id="266" name="Google Shape;266;g5440ffa6e6_0_70:notes"/>
+          <p:cNvPr id="267" name="Google Shape;267;g5440ffa6e6_0_70:notes"/>
           <p:cNvSpPr txBox="1"/>
           <p:nvPr>
             <p:ph idx="1" type="body"/>
@@ -2217,7 +2217,7 @@
   <p:cSld>
     <p:spTree>
       <p:nvGrpSpPr>
-        <p:cNvPr id="271" name="Shape 271"/>
+        <p:cNvPr id="272" name="Shape 272"/>
         <p:cNvGrpSpPr/>
         <p:nvPr/>
       </p:nvGrpSpPr>
@@ -2231,7 +2231,7 @@
       </p:grpSpPr>
       <p:sp>
         <p:nvSpPr>
-          <p:cNvPr id="272" name="Google Shape;272;g5440ffa6e6_0_82:notes"/>
+          <p:cNvPr id="273" name="Google Shape;273;g5440ffa6e6_0_82:notes"/>
           <p:cNvSpPr/>
           <p:nvPr>
             <p:ph idx="2" type="sldImg"/>
@@ -2266,7 +2266,7 @@
       </p:sp>
       <p:sp>
         <p:nvSpPr>
-          <p:cNvPr id="273" name="Google Shape;273;g5440ffa6e6_0_82:notes"/>
+          <p:cNvPr id="274" name="Google Shape;274;g5440ffa6e6_0_82:notes"/>
           <p:cNvSpPr txBox="1"/>
           <p:nvPr>
             <p:ph idx="1" type="body"/>
@@ -2316,7 +2316,7 @@
   <p:cSld>
     <p:spTree>
       <p:nvGrpSpPr>
-        <p:cNvPr id="278" name="Shape 278"/>
+        <p:cNvPr id="279" name="Shape 279"/>
         <p:cNvGrpSpPr/>
         <p:nvPr/>
       </p:nvGrpSpPr>
@@ -2330,7 +2330,7 @@
       </p:grpSpPr>
       <p:sp>
         <p:nvSpPr>
-          <p:cNvPr id="279" name="Google Shape;279;g544b2fd122_0_1:notes"/>
+          <p:cNvPr id="280" name="Google Shape;280;g544b2fd122_0_1:notes"/>
           <p:cNvSpPr/>
           <p:nvPr>
             <p:ph idx="2" type="sldImg"/>
@@ -2365,7 +2365,7 @@
       </p:sp>
       <p:sp>
         <p:nvSpPr>
-          <p:cNvPr id="280" name="Google Shape;280;g544b2fd122_0_1:notes"/>
+          <p:cNvPr id="281" name="Google Shape;281;g544b2fd122_0_1:notes"/>
           <p:cNvSpPr txBox="1"/>
           <p:nvPr>
             <p:ph idx="1" type="body"/>
@@ -2415,7 +2415,7 @@
   <p:cSld>
     <p:spTree>
       <p:nvGrpSpPr>
-        <p:cNvPr id="285" name="Shape 285"/>
+        <p:cNvPr id="286" name="Shape 286"/>
         <p:cNvGrpSpPr/>
         <p:nvPr/>
       </p:nvGrpSpPr>
@@ -2429,7 +2429,7 @@
       </p:grpSpPr>
       <p:sp>
         <p:nvSpPr>
-          <p:cNvPr id="286" name="Google Shape;286;g552ef4c9c0_0_8:notes"/>
+          <p:cNvPr id="287" name="Google Shape;287;g552ef4c9c0_0_8:notes"/>
           <p:cNvSpPr/>
           <p:nvPr>
             <p:ph idx="2" type="sldImg"/>
@@ -2464,7 +2464,7 @@
       </p:sp>
       <p:sp>
         <p:nvSpPr>
-          <p:cNvPr id="287" name="Google Shape;287;g552ef4c9c0_0_8:notes"/>
+          <p:cNvPr id="288" name="Google Shape;288;g552ef4c9c0_0_8:notes"/>
           <p:cNvSpPr txBox="1"/>
           <p:nvPr>
             <p:ph idx="1" type="body"/>
@@ -2514,7 +2514,7 @@
   <p:cSld>
     <p:spTree>
       <p:nvGrpSpPr>
-        <p:cNvPr id="291" name="Shape 291"/>
+        <p:cNvPr id="293" name="Shape 293"/>
         <p:cNvGrpSpPr/>
         <p:nvPr/>
       </p:nvGrpSpPr>
@@ -2528,7 +2528,7 @@
       </p:grpSpPr>
       <p:sp>
         <p:nvSpPr>
-          <p:cNvPr id="292" name="Google Shape;292;g552ef4c9c0_0_13:notes"/>
+          <p:cNvPr id="294" name="Google Shape;294;g552ef4c9c0_0_13:notes"/>
           <p:cNvSpPr/>
           <p:nvPr>
             <p:ph idx="2" type="sldImg"/>
@@ -2563,7 +2563,7 @@
       </p:sp>
       <p:sp>
         <p:nvSpPr>
-          <p:cNvPr id="293" name="Google Shape;293;g552ef4c9c0_0_13:notes"/>
+          <p:cNvPr id="295" name="Google Shape;295;g552ef4c9c0_0_13:notes"/>
           <p:cNvSpPr txBox="1"/>
           <p:nvPr>
             <p:ph idx="1" type="body"/>
@@ -13217,6 +13217,34 @@
           </a:p>
         </p:txBody>
       </p:sp>
+      <p:pic>
+        <p:nvPicPr>
+          <p:cNvPr id="251" name="Google Shape;251;p31"/>
+          <p:cNvPicPr preferRelativeResize="0"/>
+          <p:nvPr/>
+        </p:nvPicPr>
+        <p:blipFill>
+          <a:blip r:embed="rId3">
+            <a:alphaModFix/>
+          </a:blip>
+          <a:stretch>
+            <a:fillRect/>
+          </a:stretch>
+        </p:blipFill>
+        <p:spPr>
+          <a:xfrm>
+            <a:off x="5266750" y="1774375"/>
+            <a:ext cx="2257425" cy="2028825"/>
+          </a:xfrm>
+          <a:prstGeom prst="rect">
+            <a:avLst/>
+          </a:prstGeom>
+          <a:noFill/>
+          <a:ln>
+            <a:noFill/>
+          </a:ln>
+        </p:spPr>
+      </p:pic>
     </p:spTree>
   </p:cSld>
   <p:clrMapOvr>
@@ -13334,7 +13362,7 @@
   <p:cSld>
     <p:spTree>
       <p:nvGrpSpPr>
-        <p:cNvPr id="254" name="Shape 254"/>
+        <p:cNvPr id="255" name="Shape 255"/>
         <p:cNvGrpSpPr/>
         <p:nvPr/>
       </p:nvGrpSpPr>
@@ -13348,7 +13376,7 @@
       </p:grpSpPr>
       <p:pic>
         <p:nvPicPr>
-          <p:cNvPr id="255" name="Google Shape;255;p32"/>
+          <p:cNvPr id="256" name="Google Shape;256;p32"/>
           <p:cNvPicPr preferRelativeResize="0"/>
           <p:nvPr/>
         </p:nvPicPr>
@@ -13376,7 +13404,7 @@
       </p:pic>
       <p:sp>
         <p:nvSpPr>
-          <p:cNvPr id="256" name="Google Shape;256;p32"/>
+          <p:cNvPr id="257" name="Google Shape;257;p32"/>
           <p:cNvSpPr txBox="1"/>
           <p:nvPr>
             <p:ph idx="1" type="body"/>
@@ -13416,7 +13444,7 @@
       </p:sp>
       <p:sp>
         <p:nvSpPr>
-          <p:cNvPr id="257" name="Google Shape;257;p32"/>
+          <p:cNvPr id="258" name="Google Shape;258;p32"/>
           <p:cNvSpPr txBox="1"/>
           <p:nvPr>
             <p:ph idx="4294967295" type="title"/>
@@ -13467,7 +13495,7 @@
   <p:cSld>
     <p:spTree>
       <p:nvGrpSpPr>
-        <p:cNvPr id="261" name="Shape 261"/>
+        <p:cNvPr id="262" name="Shape 262"/>
         <p:cNvGrpSpPr/>
         <p:nvPr/>
       </p:nvGrpSpPr>
@@ -13481,7 +13509,7 @@
       </p:grpSpPr>
       <p:sp>
         <p:nvSpPr>
-          <p:cNvPr id="262" name="Google Shape;262;p33"/>
+          <p:cNvPr id="263" name="Google Shape;263;p33"/>
           <p:cNvSpPr txBox="1"/>
           <p:nvPr>
             <p:ph type="ctrTitle"/>
@@ -13521,7 +13549,7 @@
       </p:sp>
       <p:sp>
         <p:nvSpPr>
-          <p:cNvPr id="263" name="Google Shape;263;p33"/>
+          <p:cNvPr id="264" name="Google Shape;264;p33"/>
           <p:cNvSpPr txBox="1"/>
           <p:nvPr>
             <p:ph idx="1" type="subTitle"/>
@@ -13571,7 +13599,7 @@
   <p:cSld>
     <p:spTree>
       <p:nvGrpSpPr>
-        <p:cNvPr id="267" name="Shape 267"/>
+        <p:cNvPr id="268" name="Shape 268"/>
         <p:cNvGrpSpPr/>
         <p:nvPr/>
       </p:nvGrpSpPr>
@@ -13585,7 +13613,7 @@
       </p:grpSpPr>
       <p:sp>
         <p:nvSpPr>
-          <p:cNvPr id="268" name="Google Shape;268;p34"/>
+          <p:cNvPr id="269" name="Google Shape;269;p34"/>
           <p:cNvSpPr txBox="1"/>
           <p:nvPr>
             <p:ph type="title"/>
@@ -13625,7 +13653,7 @@
       </p:sp>
       <p:sp>
         <p:nvSpPr>
-          <p:cNvPr id="269" name="Google Shape;269;p34"/>
+          <p:cNvPr id="270" name="Google Shape;270;p34"/>
           <p:cNvSpPr txBox="1"/>
           <p:nvPr>
             <p:ph idx="1" type="body"/>
@@ -13734,7 +13762,7 @@
       </p:sp>
       <p:pic>
         <p:nvPicPr>
-          <p:cNvPr id="270" name="Google Shape;270;p34"/>
+          <p:cNvPr id="271" name="Google Shape;271;p34"/>
           <p:cNvPicPr preferRelativeResize="0"/>
           <p:nvPr/>
         </p:nvPicPr>
@@ -13773,7 +13801,7 @@
   <p:cSld>
     <p:spTree>
       <p:nvGrpSpPr>
-        <p:cNvPr id="274" name="Shape 274"/>
+        <p:cNvPr id="275" name="Shape 275"/>
         <p:cNvGrpSpPr/>
         <p:nvPr/>
       </p:nvGrpSpPr>
@@ -13787,7 +13815,7 @@
       </p:grpSpPr>
       <p:sp>
         <p:nvSpPr>
-          <p:cNvPr id="275" name="Google Shape;275;p35"/>
+          <p:cNvPr id="276" name="Google Shape;276;p35"/>
           <p:cNvSpPr txBox="1"/>
           <p:nvPr>
             <p:ph type="title"/>
@@ -13827,7 +13855,7 @@
       </p:sp>
       <p:sp>
         <p:nvSpPr>
-          <p:cNvPr id="276" name="Google Shape;276;p35"/>
+          <p:cNvPr id="277" name="Google Shape;277;p35"/>
           <p:cNvSpPr txBox="1"/>
           <p:nvPr>
             <p:ph idx="1" type="body"/>
@@ -13957,7 +13985,7 @@
       </p:sp>
       <p:pic>
         <p:nvPicPr>
-          <p:cNvPr id="277" name="Google Shape;277;p35"/>
+          <p:cNvPr id="278" name="Google Shape;278;p35"/>
           <p:cNvPicPr preferRelativeResize="0"/>
           <p:nvPr/>
         </p:nvPicPr>
@@ -13996,7 +14024,7 @@
   <p:cSld>
     <p:spTree>
       <p:nvGrpSpPr>
-        <p:cNvPr id="281" name="Shape 281"/>
+        <p:cNvPr id="282" name="Shape 282"/>
         <p:cNvGrpSpPr/>
         <p:nvPr/>
       </p:nvGrpSpPr>
@@ -14010,7 +14038,7 @@
       </p:grpSpPr>
       <p:sp>
         <p:nvSpPr>
-          <p:cNvPr id="282" name="Google Shape;282;p36"/>
+          <p:cNvPr id="283" name="Google Shape;283;p36"/>
           <p:cNvSpPr txBox="1"/>
           <p:nvPr>
             <p:ph type="title"/>
@@ -14050,7 +14078,7 @@
       </p:sp>
       <p:sp>
         <p:nvSpPr>
-          <p:cNvPr id="283" name="Google Shape;283;p36"/>
+          <p:cNvPr id="284" name="Google Shape;284;p36"/>
           <p:cNvSpPr txBox="1"/>
           <p:nvPr>
             <p:ph idx="1" type="body"/>
@@ -14159,7 +14187,7 @@
       </p:sp>
       <p:pic>
         <p:nvPicPr>
-          <p:cNvPr id="284" name="Google Shape;284;p36"/>
+          <p:cNvPr id="285" name="Google Shape;285;p36"/>
           <p:cNvPicPr preferRelativeResize="0"/>
           <p:nvPr/>
         </p:nvPicPr>
@@ -14198,7 +14226,7 @@
   <p:cSld>
     <p:spTree>
       <p:nvGrpSpPr>
-        <p:cNvPr id="288" name="Shape 288"/>
+        <p:cNvPr id="289" name="Shape 289"/>
         <p:cNvGrpSpPr/>
         <p:nvPr/>
       </p:nvGrpSpPr>
@@ -14212,7 +14240,7 @@
       </p:grpSpPr>
       <p:sp>
         <p:nvSpPr>
-          <p:cNvPr id="289" name="Google Shape;289;p37"/>
+          <p:cNvPr id="290" name="Google Shape;290;p37"/>
           <p:cNvSpPr txBox="1"/>
           <p:nvPr>
             <p:ph type="title"/>
@@ -14252,7 +14280,7 @@
       </p:sp>
       <p:sp>
         <p:nvSpPr>
-          <p:cNvPr id="290" name="Google Shape;290;p37"/>
+          <p:cNvPr id="291" name="Google Shape;291;p37"/>
           <p:cNvSpPr txBox="1"/>
           <p:nvPr>
             <p:ph idx="1" type="body"/>
@@ -14291,6 +14319,34 @@
           </a:p>
         </p:txBody>
       </p:sp>
+      <p:pic>
+        <p:nvPicPr>
+          <p:cNvPr id="292" name="Google Shape;292;p37"/>
+          <p:cNvPicPr preferRelativeResize="0"/>
+          <p:nvPr/>
+        </p:nvPicPr>
+        <p:blipFill>
+          <a:blip r:embed="rId3">
+            <a:alphaModFix/>
+          </a:blip>
+          <a:stretch>
+            <a:fillRect/>
+          </a:stretch>
+        </p:blipFill>
+        <p:spPr>
+          <a:xfrm>
+            <a:off x="5266750" y="1774375"/>
+            <a:ext cx="2257425" cy="2028825"/>
+          </a:xfrm>
+          <a:prstGeom prst="rect">
+            <a:avLst/>
+          </a:prstGeom>
+          <a:noFill/>
+          <a:ln>
+            <a:noFill/>
+          </a:ln>
+        </p:spPr>
+      </p:pic>
     </p:spTree>
   </p:cSld>
   <p:clrMapOvr>
@@ -14304,7 +14360,7 @@
   <p:cSld>
     <p:spTree>
       <p:nvGrpSpPr>
-        <p:cNvPr id="294" name="Shape 294"/>
+        <p:cNvPr id="296" name="Shape 296"/>
         <p:cNvGrpSpPr/>
         <p:nvPr/>
       </p:nvGrpSpPr>
@@ -14318,7 +14374,7 @@
       </p:grpSpPr>
       <p:sp>
         <p:nvSpPr>
-          <p:cNvPr id="295" name="Google Shape;295;p38"/>
+          <p:cNvPr id="297" name="Google Shape;297;p38"/>
           <p:cNvSpPr txBox="1"/>
           <p:nvPr>
             <p:ph type="title"/>
@@ -14358,7 +14414,7 @@
       </p:sp>
       <p:sp>
         <p:nvSpPr>
-          <p:cNvPr id="296" name="Google Shape;296;p38"/>
+          <p:cNvPr id="298" name="Google Shape;298;p38"/>
           <p:cNvSpPr txBox="1"/>
           <p:nvPr>
             <p:ph idx="1" type="body"/>
@@ -14408,7 +14464,7 @@
             </a:pPr>
             <a:r>
               <a:rPr lang="sv" sz="1800"/>
-              <a:t>853 123 kr</a:t>
+              <a:t>850 625 kr</a:t>
             </a:r>
             <a:endParaRPr sz="1800"/>
           </a:p>
@@ -15802,6 +15858,285 @@
 </file>
 
 <file path=ppt/theme/theme1.xml><?xml version="1.0" encoding="utf-8"?>
+<a:theme xmlns:a="http://schemas.openxmlformats.org/drawingml/2006/main" xmlns:r="http://schemas.openxmlformats.org/officeDocument/2006/relationships">
+  <a:themeElements>
+    <a:clrScheme name="Default">
+      <a:dk1>
+        <a:srgbClr val="000000"/>
+      </a:dk1>
+      <a:lt1>
+        <a:srgbClr val="FFFFFF"/>
+      </a:lt1>
+      <a:dk2>
+        <a:srgbClr val="158158"/>
+      </a:dk2>
+      <a:lt2>
+        <a:srgbClr val="F3F3F3"/>
+      </a:lt2>
+      <a:accent1>
+        <a:srgbClr val="058DC7"/>
+      </a:accent1>
+      <a:accent2>
+        <a:srgbClr val="50B432"/>
+      </a:accent2>
+      <a:accent3>
+        <a:srgbClr val="ED561B"/>
+      </a:accent3>
+      <a:accent4>
+        <a:srgbClr val="EDEF00"/>
+      </a:accent4>
+      <a:accent5>
+        <a:srgbClr val="24CBE5"/>
+      </a:accent5>
+      <a:accent6>
+        <a:srgbClr val="64E572"/>
+      </a:accent6>
+      <a:hlink>
+        <a:srgbClr val="2200CC"/>
+      </a:hlink>
+      <a:folHlink>
+        <a:srgbClr val="551A8B"/>
+      </a:folHlink>
+    </a:clrScheme>
+    <a:fontScheme name="Office">
+      <a:majorFont>
+        <a:latin typeface="Arial"/>
+        <a:ea typeface=""/>
+        <a:cs typeface=""/>
+        <a:font script="Jpan" typeface="ＭＳ Ｐゴシック"/>
+        <a:font script="Hang" typeface="맑은 고딕"/>
+        <a:font script="Hans" typeface="宋体"/>
+        <a:font script="Hant" typeface="新細明體"/>
+        <a:font script="Arab" typeface="Times New Roman"/>
+        <a:font script="Hebr" typeface="Times New Roman"/>
+        <a:font script="Thai" typeface="Angsana New"/>
+        <a:font script="Ethi" typeface="Nyala"/>
+        <a:font script="Beng" typeface="Vrinda"/>
+        <a:font script="Gujr" typeface="Shruti"/>
+        <a:font script="Khmr" typeface="MoolBoran"/>
+        <a:font script="Knda" typeface="Tunga"/>
+        <a:font script="Guru" typeface="Raavi"/>
+        <a:font script="Cans" typeface="Euphemia"/>
+        <a:font script="Cher" typeface="Plantagenet Cherokee"/>
+        <a:font script="Yiii" typeface="Microsoft Yi Baiti"/>
+        <a:font script="Tibt" typeface="Microsoft Himalaya"/>
+        <a:font script="Thaa" typeface="MV Boli"/>
+        <a:font script="Deva" typeface="Mangal"/>
+        <a:font script="Telu" typeface="Gautami"/>
+        <a:font script="Taml" typeface="Latha"/>
+        <a:font script="Syrc" typeface="Estrangelo Edessa"/>
+        <a:font script="Orya" typeface="Kalinga"/>
+        <a:font script="Mlym" typeface="Kartika"/>
+        <a:font script="Laoo" typeface="DokChampa"/>
+        <a:font script="Sinh" typeface="Iskoola Pota"/>
+        <a:font script="Mong" typeface="Mongolian Baiti"/>
+        <a:font script="Viet" typeface="Times New Roman"/>
+        <a:font script="Uigh" typeface="Microsoft Uighur"/>
+        <a:font script="Geor" typeface="Sylfaen"/>
+      </a:majorFont>
+      <a:minorFont>
+        <a:latin typeface="Arial"/>
+        <a:ea typeface=""/>
+        <a:cs typeface=""/>
+        <a:font script="Jpan" typeface="ＭＳ Ｐゴシック"/>
+        <a:font script="Hang" typeface="맑은 고딕"/>
+        <a:font script="Hans" typeface="宋体"/>
+        <a:font script="Hant" typeface="新細明體"/>
+        <a:font script="Arab" typeface="Arial"/>
+        <a:font script="Hebr" typeface="Arial"/>
+        <a:font script="Thai" typeface="Cordia New"/>
+        <a:font script="Ethi" typeface="Nyala"/>
+        <a:font script="Beng" typeface="Vrinda"/>
+        <a:font script="Gujr" typeface="Shruti"/>
+        <a:font script="Khmr" typeface="DaunPenh"/>
+        <a:font script="Knda" typeface="Tunga"/>
+        <a:font script="Guru" typeface="Raavi"/>
+        <a:font script="Cans" typeface="Euphemia"/>
+        <a:font script="Cher" typeface="Plantagenet Cherokee"/>
+        <a:font script="Yiii" typeface="Microsoft Yi Baiti"/>
+        <a:font script="Tibt" typeface="Microsoft Himalaya"/>
+        <a:font script="Thaa" typeface="MV Boli"/>
+        <a:font script="Deva" typeface="Mangal"/>
+        <a:font script="Telu" typeface="Gautami"/>
+        <a:font script="Taml" typeface="Latha"/>
+        <a:font script="Syrc" typeface="Estrangelo Edessa"/>
+        <a:font script="Orya" typeface="Kalinga"/>
+        <a:font script="Mlym" typeface="Kartika"/>
+        <a:font script="Laoo" typeface="DokChampa"/>
+        <a:font script="Sinh" typeface="Iskoola Pota"/>
+        <a:font script="Mong" typeface="Mongolian Baiti"/>
+        <a:font script="Viet" typeface="Arial"/>
+        <a:font script="Uigh" typeface="Microsoft Uighur"/>
+        <a:font script="Geor" typeface="Sylfaen"/>
+      </a:minorFont>
+    </a:fontScheme>
+    <a:fmtScheme name="Office">
+      <a:fillStyleLst>
+        <a:solidFill>
+          <a:schemeClr val="phClr"/>
+        </a:solidFill>
+        <a:gradFill rotWithShape="1">
+          <a:gsLst>
+            <a:gs pos="0">
+              <a:schemeClr val="phClr">
+                <a:tint val="50000"/>
+                <a:satMod val="300000"/>
+              </a:schemeClr>
+            </a:gs>
+            <a:gs pos="35000">
+              <a:schemeClr val="phClr">
+                <a:tint val="37000"/>
+                <a:satMod val="300000"/>
+              </a:schemeClr>
+            </a:gs>
+            <a:gs pos="100000">
+              <a:schemeClr val="phClr">
+                <a:tint val="15000"/>
+                <a:satMod val="350000"/>
+              </a:schemeClr>
+            </a:gs>
+          </a:gsLst>
+          <a:lin ang="16200000" scaled="1"/>
+        </a:gradFill>
+        <a:gradFill rotWithShape="1">
+          <a:gsLst>
+            <a:gs pos="0">
+              <a:schemeClr val="phClr">
+                <a:tint val="100000"/>
+                <a:shade val="100000"/>
+                <a:satMod val="130000"/>
+              </a:schemeClr>
+            </a:gs>
+            <a:gs pos="100000">
+              <a:schemeClr val="phClr">
+                <a:tint val="50000"/>
+                <a:shade val="100000"/>
+                <a:satMod val="350000"/>
+              </a:schemeClr>
+            </a:gs>
+          </a:gsLst>
+          <a:lin ang="16200000" scaled="0"/>
+        </a:gradFill>
+      </a:fillStyleLst>
+      <a:lnStyleLst>
+        <a:ln w="9525" cap="flat" cmpd="sng" algn="ctr">
+          <a:solidFill>
+            <a:schemeClr val="phClr">
+              <a:shade val="95000"/>
+              <a:satMod val="105000"/>
+            </a:schemeClr>
+          </a:solidFill>
+          <a:prstDash val="solid"/>
+        </a:ln>
+        <a:ln w="25400" cap="flat" cmpd="sng" algn="ctr">
+          <a:solidFill>
+            <a:schemeClr val="phClr"/>
+          </a:solidFill>
+          <a:prstDash val="solid"/>
+        </a:ln>
+        <a:ln w="38100" cap="flat" cmpd="sng" algn="ctr">
+          <a:solidFill>
+            <a:schemeClr val="phClr"/>
+          </a:solidFill>
+          <a:prstDash val="solid"/>
+        </a:ln>
+      </a:lnStyleLst>
+      <a:effectStyleLst>
+        <a:effectStyle>
+          <a:effectLst>
+            <a:outerShdw blurRad="40000" dist="20000" dir="5400000" rotWithShape="0">
+              <a:srgbClr val="000000">
+                <a:alpha val="38000"/>
+              </a:srgbClr>
+            </a:outerShdw>
+          </a:effectLst>
+        </a:effectStyle>
+        <a:effectStyle>
+          <a:effectLst>
+            <a:outerShdw blurRad="40000" dist="23000" dir="5400000" rotWithShape="0">
+              <a:srgbClr val="000000">
+                <a:alpha val="35000"/>
+              </a:srgbClr>
+            </a:outerShdw>
+          </a:effectLst>
+        </a:effectStyle>
+        <a:effectStyle>
+          <a:effectLst>
+            <a:outerShdw blurRad="40000" dist="23000" dir="5400000" rotWithShape="0">
+              <a:srgbClr val="000000">
+                <a:alpha val="35000"/>
+              </a:srgbClr>
+            </a:outerShdw>
+          </a:effectLst>
+          <a:scene3d>
+            <a:camera prst="orthographicFront">
+              <a:rot lat="0" lon="0" rev="0"/>
+            </a:camera>
+            <a:lightRig rig="threePt" dir="t">
+              <a:rot lat="0" lon="0" rev="1200000"/>
+            </a:lightRig>
+          </a:scene3d>
+          <a:sp3d>
+            <a:bevelT w="63500" h="25400"/>
+          </a:sp3d>
+        </a:effectStyle>
+      </a:effectStyleLst>
+      <a:bgFillStyleLst>
+        <a:solidFill>
+          <a:schemeClr val="phClr"/>
+        </a:solidFill>
+        <a:gradFill rotWithShape="1">
+          <a:gsLst>
+            <a:gs pos="0">
+              <a:schemeClr val="phClr">
+                <a:tint val="40000"/>
+                <a:satMod val="350000"/>
+              </a:schemeClr>
+            </a:gs>
+            <a:gs pos="40000">
+              <a:schemeClr val="phClr">
+                <a:tint val="45000"/>
+                <a:shade val="99000"/>
+                <a:satMod val="350000"/>
+              </a:schemeClr>
+            </a:gs>
+            <a:gs pos="100000">
+              <a:schemeClr val="phClr">
+                <a:shade val="20000"/>
+                <a:satMod val="255000"/>
+              </a:schemeClr>
+            </a:gs>
+          </a:gsLst>
+          <a:path path="circle">
+            <a:fillToRect l="50000" t="-80000" r="50000" b="180000"/>
+          </a:path>
+        </a:gradFill>
+        <a:gradFill rotWithShape="1">
+          <a:gsLst>
+            <a:gs pos="0">
+              <a:schemeClr val="phClr">
+                <a:tint val="80000"/>
+                <a:satMod val="300000"/>
+              </a:schemeClr>
+            </a:gs>
+            <a:gs pos="100000">
+              <a:schemeClr val="phClr">
+                <a:shade val="30000"/>
+                <a:satMod val="200000"/>
+              </a:schemeClr>
+            </a:gs>
+          </a:gsLst>
+          <a:path path="circle">
+            <a:fillToRect l="50000" t="50000" r="50000" b="50000"/>
+          </a:path>
+        </a:gradFill>
+      </a:bgFillStyleLst>
+    </a:fmtScheme>
+  </a:themeElements>
+</a:theme>
+</file>
+
+<file path=ppt/theme/theme2.xml><?xml version="1.0" encoding="utf-8"?>
 <a:theme xmlns:a="http://schemas.openxmlformats.org/drawingml/2006/main" xmlns:r="http://schemas.openxmlformats.org/officeDocument/2006/relationships" name="Shift">
   <a:themeElements>
     <a:clrScheme name="Shift">
@@ -16078,283 +16413,4 @@
     </a:fmtScheme>
   </a:themeElements>
 </a:theme>
-</file>
-
-<file path=ppt/theme/theme2.xml><?xml version="1.0" encoding="utf-8"?>
-<a:theme xmlns:a="http://schemas.openxmlformats.org/drawingml/2006/main" xmlns:r="http://schemas.openxmlformats.org/officeDocument/2006/relationships">
-  <a:themeElements>
-    <a:clrScheme name="Default">
-      <a:dk1>
-        <a:srgbClr val="000000"/>
-      </a:dk1>
-      <a:lt1>
-        <a:srgbClr val="FFFFFF"/>
-      </a:lt1>
-      <a:dk2>
-        <a:srgbClr val="158158"/>
-      </a:dk2>
-      <a:lt2>
-        <a:srgbClr val="F3F3F3"/>
-      </a:lt2>
-      <a:accent1>
-        <a:srgbClr val="058DC7"/>
-      </a:accent1>
-      <a:accent2>
-        <a:srgbClr val="50B432"/>
-      </a:accent2>
-      <a:accent3>
-        <a:srgbClr val="ED561B"/>
-      </a:accent3>
-      <a:accent4>
-        <a:srgbClr val="EDEF00"/>
-      </a:accent4>
-      <a:accent5>
-        <a:srgbClr val="24CBE5"/>
-      </a:accent5>
-      <a:accent6>
-        <a:srgbClr val="64E572"/>
-      </a:accent6>
-      <a:hlink>
-        <a:srgbClr val="2200CC"/>
-      </a:hlink>
-      <a:folHlink>
-        <a:srgbClr val="551A8B"/>
-      </a:folHlink>
-    </a:clrScheme>
-    <a:fontScheme name="Office">
-      <a:majorFont>
-        <a:latin typeface="Arial"/>
-        <a:ea typeface=""/>
-        <a:cs typeface=""/>
-        <a:font script="Jpan" typeface="ＭＳ Ｐゴシック"/>
-        <a:font script="Hang" typeface="맑은 고딕"/>
-        <a:font script="Hans" typeface="宋体"/>
-        <a:font script="Hant" typeface="新細明體"/>
-        <a:font script="Arab" typeface="Times New Roman"/>
-        <a:font script="Hebr" typeface="Times New Roman"/>
-        <a:font script="Thai" typeface="Angsana New"/>
-        <a:font script="Ethi" typeface="Nyala"/>
-        <a:font script="Beng" typeface="Vrinda"/>
-        <a:font script="Gujr" typeface="Shruti"/>
-        <a:font script="Khmr" typeface="MoolBoran"/>
-        <a:font script="Knda" typeface="Tunga"/>
-        <a:font script="Guru" typeface="Raavi"/>
-        <a:font script="Cans" typeface="Euphemia"/>
-        <a:font script="Cher" typeface="Plantagenet Cherokee"/>
-        <a:font script="Yiii" typeface="Microsoft Yi Baiti"/>
-        <a:font script="Tibt" typeface="Microsoft Himalaya"/>
-        <a:font script="Thaa" typeface="MV Boli"/>
-        <a:font script="Deva" typeface="Mangal"/>
-        <a:font script="Telu" typeface="Gautami"/>
-        <a:font script="Taml" typeface="Latha"/>
-        <a:font script="Syrc" typeface="Estrangelo Edessa"/>
-        <a:font script="Orya" typeface="Kalinga"/>
-        <a:font script="Mlym" typeface="Kartika"/>
-        <a:font script="Laoo" typeface="DokChampa"/>
-        <a:font script="Sinh" typeface="Iskoola Pota"/>
-        <a:font script="Mong" typeface="Mongolian Baiti"/>
-        <a:font script="Viet" typeface="Times New Roman"/>
-        <a:font script="Uigh" typeface="Microsoft Uighur"/>
-        <a:font script="Geor" typeface="Sylfaen"/>
-      </a:majorFont>
-      <a:minorFont>
-        <a:latin typeface="Arial"/>
-        <a:ea typeface=""/>
-        <a:cs typeface=""/>
-        <a:font script="Jpan" typeface="ＭＳ Ｐゴシック"/>
-        <a:font script="Hang" typeface="맑은 고딕"/>
-        <a:font script="Hans" typeface="宋体"/>
-        <a:font script="Hant" typeface="新細明體"/>
-        <a:font script="Arab" typeface="Arial"/>
-        <a:font script="Hebr" typeface="Arial"/>
-        <a:font script="Thai" typeface="Cordia New"/>
-        <a:font script="Ethi" typeface="Nyala"/>
-        <a:font script="Beng" typeface="Vrinda"/>
-        <a:font script="Gujr" typeface="Shruti"/>
-        <a:font script="Khmr" typeface="DaunPenh"/>
-        <a:font script="Knda" typeface="Tunga"/>
-        <a:font script="Guru" typeface="Raavi"/>
-        <a:font script="Cans" typeface="Euphemia"/>
-        <a:font script="Cher" typeface="Plantagenet Cherokee"/>
-        <a:font script="Yiii" typeface="Microsoft Yi Baiti"/>
-        <a:font script="Tibt" typeface="Microsoft Himalaya"/>
-        <a:font script="Thaa" typeface="MV Boli"/>
-        <a:font script="Deva" typeface="Mangal"/>
-        <a:font script="Telu" typeface="Gautami"/>
-        <a:font script="Taml" typeface="Latha"/>
-        <a:font script="Syrc" typeface="Estrangelo Edessa"/>
-        <a:font script="Orya" typeface="Kalinga"/>
-        <a:font script="Mlym" typeface="Kartika"/>
-        <a:font script="Laoo" typeface="DokChampa"/>
-        <a:font script="Sinh" typeface="Iskoola Pota"/>
-        <a:font script="Mong" typeface="Mongolian Baiti"/>
-        <a:font script="Viet" typeface="Arial"/>
-        <a:font script="Uigh" typeface="Microsoft Uighur"/>
-        <a:font script="Geor" typeface="Sylfaen"/>
-      </a:minorFont>
-    </a:fontScheme>
-    <a:fmtScheme name="Office">
-      <a:fillStyleLst>
-        <a:solidFill>
-          <a:schemeClr val="phClr"/>
-        </a:solidFill>
-        <a:gradFill rotWithShape="1">
-          <a:gsLst>
-            <a:gs pos="0">
-              <a:schemeClr val="phClr">
-                <a:tint val="50000"/>
-                <a:satMod val="300000"/>
-              </a:schemeClr>
-            </a:gs>
-            <a:gs pos="35000">
-              <a:schemeClr val="phClr">
-                <a:tint val="37000"/>
-                <a:satMod val="300000"/>
-              </a:schemeClr>
-            </a:gs>
-            <a:gs pos="100000">
-              <a:schemeClr val="phClr">
-                <a:tint val="15000"/>
-                <a:satMod val="350000"/>
-              </a:schemeClr>
-            </a:gs>
-          </a:gsLst>
-          <a:lin ang="16200000" scaled="1"/>
-        </a:gradFill>
-        <a:gradFill rotWithShape="1">
-          <a:gsLst>
-            <a:gs pos="0">
-              <a:schemeClr val="phClr">
-                <a:tint val="100000"/>
-                <a:shade val="100000"/>
-                <a:satMod val="130000"/>
-              </a:schemeClr>
-            </a:gs>
-            <a:gs pos="100000">
-              <a:schemeClr val="phClr">
-                <a:tint val="50000"/>
-                <a:shade val="100000"/>
-                <a:satMod val="350000"/>
-              </a:schemeClr>
-            </a:gs>
-          </a:gsLst>
-          <a:lin ang="16200000" scaled="0"/>
-        </a:gradFill>
-      </a:fillStyleLst>
-      <a:lnStyleLst>
-        <a:ln w="9525" cap="flat" cmpd="sng" algn="ctr">
-          <a:solidFill>
-            <a:schemeClr val="phClr">
-              <a:shade val="95000"/>
-              <a:satMod val="105000"/>
-            </a:schemeClr>
-          </a:solidFill>
-          <a:prstDash val="solid"/>
-        </a:ln>
-        <a:ln w="25400" cap="flat" cmpd="sng" algn="ctr">
-          <a:solidFill>
-            <a:schemeClr val="phClr"/>
-          </a:solidFill>
-          <a:prstDash val="solid"/>
-        </a:ln>
-        <a:ln w="38100" cap="flat" cmpd="sng" algn="ctr">
-          <a:solidFill>
-            <a:schemeClr val="phClr"/>
-          </a:solidFill>
-          <a:prstDash val="solid"/>
-        </a:ln>
-      </a:lnStyleLst>
-      <a:effectStyleLst>
-        <a:effectStyle>
-          <a:effectLst>
-            <a:outerShdw blurRad="40000" dist="20000" dir="5400000" rotWithShape="0">
-              <a:srgbClr val="000000">
-                <a:alpha val="38000"/>
-              </a:srgbClr>
-            </a:outerShdw>
-          </a:effectLst>
-        </a:effectStyle>
-        <a:effectStyle>
-          <a:effectLst>
-            <a:outerShdw blurRad="40000" dist="23000" dir="5400000" rotWithShape="0">
-              <a:srgbClr val="000000">
-                <a:alpha val="35000"/>
-              </a:srgbClr>
-            </a:outerShdw>
-          </a:effectLst>
-        </a:effectStyle>
-        <a:effectStyle>
-          <a:effectLst>
-            <a:outerShdw blurRad="40000" dist="23000" dir="5400000" rotWithShape="0">
-              <a:srgbClr val="000000">
-                <a:alpha val="35000"/>
-              </a:srgbClr>
-            </a:outerShdw>
-          </a:effectLst>
-          <a:scene3d>
-            <a:camera prst="orthographicFront">
-              <a:rot lat="0" lon="0" rev="0"/>
-            </a:camera>
-            <a:lightRig rig="threePt" dir="t">
-              <a:rot lat="0" lon="0" rev="1200000"/>
-            </a:lightRig>
-          </a:scene3d>
-          <a:sp3d>
-            <a:bevelT w="63500" h="25400"/>
-          </a:sp3d>
-        </a:effectStyle>
-      </a:effectStyleLst>
-      <a:bgFillStyleLst>
-        <a:solidFill>
-          <a:schemeClr val="phClr"/>
-        </a:solidFill>
-        <a:gradFill rotWithShape="1">
-          <a:gsLst>
-            <a:gs pos="0">
-              <a:schemeClr val="phClr">
-                <a:tint val="40000"/>
-                <a:satMod val="350000"/>
-              </a:schemeClr>
-            </a:gs>
-            <a:gs pos="40000">
-              <a:schemeClr val="phClr">
-                <a:tint val="45000"/>
-                <a:shade val="99000"/>
-                <a:satMod val="350000"/>
-              </a:schemeClr>
-            </a:gs>
-            <a:gs pos="100000">
-              <a:schemeClr val="phClr">
-                <a:shade val="20000"/>
-                <a:satMod val="255000"/>
-              </a:schemeClr>
-            </a:gs>
-          </a:gsLst>
-          <a:path path="circle">
-            <a:fillToRect l="50000" t="-80000" r="50000" b="180000"/>
-          </a:path>
-        </a:gradFill>
-        <a:gradFill rotWithShape="1">
-          <a:gsLst>
-            <a:gs pos="0">
-              <a:schemeClr val="phClr">
-                <a:tint val="80000"/>
-                <a:satMod val="300000"/>
-              </a:schemeClr>
-            </a:gs>
-            <a:gs pos="100000">
-              <a:schemeClr val="phClr">
-                <a:shade val="30000"/>
-                <a:satMod val="200000"/>
-              </a:schemeClr>
-            </a:gs>
-          </a:gsLst>
-          <a:path path="circle">
-            <a:fillToRect l="50000" t="50000" r="50000" b="50000"/>
-          </a:path>
-        </a:gradFill>
-      </a:bgFillStyleLst>
-    </a:fmtScheme>
-  </a:themeElements>
-</a:theme>
 </file>